--- a/Presentation1.pptx
+++ b/Presentation1.pptx
@@ -5,7 +5,7 @@
     <p:sldMasterId id="2147483648" r:id="rId1"/>
   </p:sldMasterIdLst>
   <p:notesMasterIdLst>
-    <p:notesMasterId r:id="rId7"/>
+    <p:notesMasterId r:id="rId8"/>
   </p:notesMasterIdLst>
   <p:sldIdLst>
     <p:sldId id="256" r:id="rId2"/>
@@ -13,6 +13,7 @@
     <p:sldId id="258" r:id="rId4"/>
     <p:sldId id="260" r:id="rId5"/>
     <p:sldId id="261" r:id="rId6"/>
+    <p:sldId id="262" r:id="rId7"/>
   </p:sldIdLst>
   <p:sldSz cx="12192000" cy="6858000"/>
   <p:notesSz cx="6858000" cy="9144000"/>
@@ -4026,7 +4027,7 @@
               <a:rPr lang="en-US" sz="2200" dirty="0">
                 <a:latin typeface="Gotham XLight Regular" pitchFamily="2" charset="77"/>
               </a:rPr>
-              <a:t>370454 different projects after the cleaning</a:t>
+              <a:t>370454 different projects after the first cleaning</a:t>
             </a:r>
           </a:p>
           <a:p>
@@ -4994,6 +4995,188 @@
     <p:extLst>
       <p:ext uri="{BB962C8B-B14F-4D97-AF65-F5344CB8AC3E}">
         <p14:creationId xmlns:p14="http://schemas.microsoft.com/office/powerpoint/2010/main" val="1296032818"/>
+      </p:ext>
+    </p:extLst>
+  </p:cSld>
+  <p:clrMapOvr>
+    <a:masterClrMapping/>
+  </p:clrMapOvr>
+</p:sld>
+</file>
+
+<file path=ppt/slides/slide6.xml><?xml version="1.0" encoding="utf-8"?>
+<p:sld xmlns:a="http://schemas.openxmlformats.org/drawingml/2006/main" xmlns:r="http://schemas.openxmlformats.org/officeDocument/2006/relationships" xmlns:p="http://schemas.openxmlformats.org/presentationml/2006/main">
+  <p:cSld>
+    <p:spTree>
+      <p:nvGrpSpPr>
+        <p:cNvPr id="1" name=""/>
+        <p:cNvGrpSpPr/>
+        <p:nvPr/>
+      </p:nvGrpSpPr>
+      <p:grpSpPr>
+        <a:xfrm>
+          <a:off x="0" y="0"/>
+          <a:ext cx="0" cy="0"/>
+          <a:chOff x="0" y="0"/>
+          <a:chExt cx="0" cy="0"/>
+        </a:xfrm>
+      </p:grpSpPr>
+      <p:sp>
+        <p:nvSpPr>
+          <p:cNvPr id="4" name="Date Placeholder 3">
+            <a:extLst>
+              <a:ext uri="{FF2B5EF4-FFF2-40B4-BE49-F238E27FC236}">
+                <a16:creationId xmlns:a16="http://schemas.microsoft.com/office/drawing/2014/main" id="{E1CAA004-8DF0-A643-9701-0ADD3417B7CC}"/>
+              </a:ext>
+            </a:extLst>
+          </p:cNvPr>
+          <p:cNvSpPr>
+            <a:spLocks noGrp="1"/>
+          </p:cNvSpPr>
+          <p:nvPr>
+            <p:ph type="dt" sz="half" idx="10"/>
+          </p:nvPr>
+        </p:nvSpPr>
+        <p:spPr/>
+        <p:txBody>
+          <a:bodyPr/>
+          <a:lstStyle/>
+          <a:p>
+            <a:fld id="{5DEF2C02-B79C-CF40-AA44-CDAA525D999C}" type="datetime2">
+              <a:rPr lang="en-US" smtClean="0"/>
+              <a:t>Monday, November 18, 2019</a:t>
+            </a:fld>
+            <a:endParaRPr lang="fr-FR"/>
+          </a:p>
+        </p:txBody>
+      </p:sp>
+      <p:sp>
+        <p:nvSpPr>
+          <p:cNvPr id="5" name="Slide Number Placeholder 4">
+            <a:extLst>
+              <a:ext uri="{FF2B5EF4-FFF2-40B4-BE49-F238E27FC236}">
+                <a16:creationId xmlns:a16="http://schemas.microsoft.com/office/drawing/2014/main" id="{898F9C29-7923-B84D-9969-1413D56D8332}"/>
+              </a:ext>
+            </a:extLst>
+          </p:cNvPr>
+          <p:cNvSpPr>
+            <a:spLocks noGrp="1"/>
+          </p:cNvSpPr>
+          <p:nvPr>
+            <p:ph type="sldNum" sz="quarter" idx="12"/>
+          </p:nvPr>
+        </p:nvSpPr>
+        <p:spPr/>
+        <p:txBody>
+          <a:bodyPr/>
+          <a:lstStyle/>
+          <a:p>
+            <a:fld id="{AA4240EE-75E0-E748-B562-0EBB15DB842F}" type="slidenum">
+              <a:rPr lang="fr-FR" smtClean="0"/>
+              <a:t>6</a:t>
+            </a:fld>
+            <a:endParaRPr lang="fr-FR"/>
+          </a:p>
+        </p:txBody>
+      </p:sp>
+      <p:sp>
+        <p:nvSpPr>
+          <p:cNvPr id="2" name="Title 1">
+            <a:extLst>
+              <a:ext uri="{FF2B5EF4-FFF2-40B4-BE49-F238E27FC236}">
+                <a16:creationId xmlns:a16="http://schemas.microsoft.com/office/drawing/2014/main" id="{9DA154FB-92ED-0E44-AEA5-7DD8F58D15C8}"/>
+              </a:ext>
+            </a:extLst>
+          </p:cNvPr>
+          <p:cNvSpPr>
+            <a:spLocks noGrp="1"/>
+          </p:cNvSpPr>
+          <p:nvPr>
+            <p:ph type="title"/>
+          </p:nvPr>
+        </p:nvSpPr>
+        <p:spPr/>
+        <p:txBody>
+          <a:bodyPr/>
+          <a:lstStyle/>
+          <a:p>
+            <a:r>
+              <a:rPr lang="en-US" b="1" dirty="0">
+                <a:latin typeface="Gotham XLight Regular" pitchFamily="2" charset="77"/>
+              </a:rPr>
+              <a:t>Exploratory Data Analysis (4) </a:t>
+            </a:r>
+            <a:endParaRPr lang="en-US" b="1" dirty="0">
+              <a:effectLst/>
+              <a:latin typeface="Gotham XLight Regular" pitchFamily="2" charset="77"/>
+            </a:endParaRPr>
+          </a:p>
+        </p:txBody>
+      </p:sp>
+      <p:pic>
+        <p:nvPicPr>
+          <p:cNvPr id="7" name="Picture 6">
+            <a:extLst>
+              <a:ext uri="{FF2B5EF4-FFF2-40B4-BE49-F238E27FC236}">
+                <a16:creationId xmlns:a16="http://schemas.microsoft.com/office/drawing/2014/main" id="{2164BCB8-5DF6-6E4D-9911-AA7FBF4D8681}"/>
+              </a:ext>
+            </a:extLst>
+          </p:cNvPr>
+          <p:cNvPicPr>
+            <a:picLocks noChangeAspect="1"/>
+          </p:cNvPicPr>
+          <p:nvPr/>
+        </p:nvPicPr>
+        <p:blipFill>
+          <a:blip r:embed="rId2"/>
+          <a:stretch>
+            <a:fillRect/>
+          </a:stretch>
+        </p:blipFill>
+        <p:spPr>
+          <a:xfrm>
+            <a:off x="6388690" y="2010569"/>
+            <a:ext cx="5156200" cy="4025900"/>
+          </a:xfrm>
+          <a:prstGeom prst="rect">
+            <a:avLst/>
+          </a:prstGeom>
+        </p:spPr>
+      </p:pic>
+      <p:pic>
+        <p:nvPicPr>
+          <p:cNvPr id="9" name="Picture 8">
+            <a:extLst>
+              <a:ext uri="{FF2B5EF4-FFF2-40B4-BE49-F238E27FC236}">
+                <a16:creationId xmlns:a16="http://schemas.microsoft.com/office/drawing/2014/main" id="{8E8249A4-D22D-FC48-B2AC-94CA5090EF31}"/>
+              </a:ext>
+            </a:extLst>
+          </p:cNvPr>
+          <p:cNvPicPr>
+            <a:picLocks noChangeAspect="1"/>
+          </p:cNvPicPr>
+          <p:nvPr/>
+        </p:nvPicPr>
+        <p:blipFill>
+          <a:blip r:embed="rId3"/>
+          <a:stretch>
+            <a:fillRect/>
+          </a:stretch>
+        </p:blipFill>
+        <p:spPr>
+          <a:xfrm>
+            <a:off x="519519" y="2010569"/>
+            <a:ext cx="5156200" cy="4025900"/>
+          </a:xfrm>
+          <a:prstGeom prst="rect">
+            <a:avLst/>
+          </a:prstGeom>
+        </p:spPr>
+      </p:pic>
+    </p:spTree>
+    <p:extLst>
+      <p:ext uri="{BB962C8B-B14F-4D97-AF65-F5344CB8AC3E}">
+        <p14:creationId xmlns:p14="http://schemas.microsoft.com/office/powerpoint/2010/main" val="2397447321"/>
       </p:ext>
     </p:extLst>
   </p:cSld>
